--- a/Later/Spring/4_Dependency_Injection/4/Dependency Injection by Constructor_Injecting primitive.pptx
+++ b/Later/Spring/4_Dependency_Injection/4/Dependency Injection by Constructor_Injecting primitive.pptx
@@ -4078,15 +4078,7 @@
                   <a:srgbClr val="C00000"/>
                 </a:solidFill>
               </a:rPr>
-              <a:t>&lt;constructor-</a:t>
-            </a:r>
-            <a:r>
-              <a:rPr lang="en-US" sz="1200" b="1" dirty="0">
-                <a:solidFill>
-                  <a:srgbClr val="C00000"/>
-                </a:solidFill>
-              </a:rPr>
-              <a:t>arg</a:t>
+              <a:t>&lt;constructor-arg</a:t>
             </a:r>
             <a:r>
               <a:rPr lang="en-US" sz="1200" b="1" dirty="0" smtClean="0">
@@ -4485,7 +4477,7 @@
       </p:grpSpPr>
       <p:pic>
         <p:nvPicPr>
-          <p:cNvPr id="2050" name="Picture 2"/>
+          <p:cNvPr id="1026" name="Picture 2"/>
           <p:cNvPicPr>
             <a:picLocks noChangeAspect="1" noChangeArrowheads="1"/>
           </p:cNvPicPr>
@@ -4506,8 +4498,8 @@
         </p:blipFill>
         <p:spPr bwMode="auto">
           <a:xfrm>
-            <a:off x="536575" y="2420874"/>
-            <a:ext cx="5086350" cy="1771650"/>
+            <a:off x="914400" y="2476500"/>
+            <a:ext cx="5248275" cy="1762125"/>
           </a:xfrm>
           <a:prstGeom prst="rect">
             <a:avLst/>
@@ -4516,13 +4508,13 @@
         </p:spPr>
         <p:style>
           <a:lnRef idx="1">
-            <a:schemeClr val="accent4"/>
+            <a:schemeClr val="accent5"/>
           </a:lnRef>
           <a:fillRef idx="2">
-            <a:schemeClr val="accent4"/>
+            <a:schemeClr val="accent5"/>
           </a:fillRef>
           <a:effectRef idx="1">
-            <a:schemeClr val="accent4"/>
+            <a:schemeClr val="accent5"/>
           </a:effectRef>
           <a:fontRef idx="minor">
             <a:schemeClr val="dk1"/>
@@ -4770,41 +4762,8 @@
             </a:r>
             <a:r>
               <a:rPr lang="en-US" sz="1200" dirty="0"/>
-              <a:t>constructor-</a:t>
-            </a:r>
-            <a:r>
-              <a:rPr lang="en-US" sz="1200" dirty="0"/>
-              <a:t>arg</a:t>
-            </a:r>
-            <a:r>
-              <a:rPr lang="en-US" sz="1200" dirty="0"/>
-              <a:t> element invokes the constructor. In such case, parameterized constructor of </a:t>
-            </a:r>
-            <a:r>
-              <a:rPr lang="en-US" sz="1200" dirty="0"/>
-              <a:t>int</a:t>
-            </a:r>
-            <a:r>
-              <a:rPr lang="en-US" sz="1200" dirty="0"/>
-              <a:t> type will be invoked. The value attribute of constructor-</a:t>
-            </a:r>
-            <a:r>
-              <a:rPr lang="en-US" sz="1200" dirty="0"/>
-              <a:t>arg</a:t>
-            </a:r>
-            <a:r>
-              <a:rPr lang="en-US" sz="1200" dirty="0"/>
-              <a:t> element will assign the specified value. The type attribute specifies that </a:t>
-            </a:r>
-            <a:r>
-              <a:rPr lang="en-US" sz="1200" dirty="0"/>
-              <a:t>int</a:t>
-            </a:r>
-            <a:r>
-              <a:rPr lang="en-US" sz="1200" dirty="0"/>
-              <a:t> parameter constructor will be invoked.</a:t>
-            </a:r>
-            <a:endParaRPr lang="en-US" sz="1200" dirty="0"/>
+              <a:t>constructor-arg element invokes the constructor. In such case, parameterized constructor of int type will be invoked. The value attribute of constructor-arg element will assign the specified value. The type attribute specifies that int parameter constructor will be invoked.</a:t>
+            </a:r>
           </a:p>
         </p:txBody>
       </p:sp>

--- a/Later/Spring/4_Dependency_Injection/4/Dependency Injection by Constructor_Injecting primitive.pptx
+++ b/Later/Spring/4_Dependency_Injection/4/Dependency Injection by Constructor_Injecting primitive.pptx
@@ -4762,8 +4762,33 @@
             </a:r>
             <a:r>
               <a:rPr lang="en-US" sz="1200" dirty="0"/>
-              <a:t>constructor-arg element invokes the constructor. In such case, parameterized constructor of int type will be invoked. The value attribute of constructor-arg element will assign the specified value. The type attribute specifies that int parameter constructor will be invoked.</a:t>
-            </a:r>
+              <a:t>constructor-arg element invokes the constructor. In such case, parameterized constructor of int type will be invoked. The value attribute of constructor-arg element will assign the specified value. The type attribute specifies that int parameter constructor will be invoked</a:t>
+            </a:r>
+            <a:r>
+              <a:rPr lang="en-US" sz="1200" dirty="0"/>
+              <a:t>. In this example Employee(</a:t>
+            </a:r>
+            <a:r>
+              <a:rPr lang="en-US" sz="1200" b="1" dirty="0"/>
+              <a:t>int</a:t>
+            </a:r>
+            <a:r>
+              <a:rPr lang="en-US" sz="1200" b="1" dirty="0"/>
+              <a:t> </a:t>
+            </a:r>
+            <a:r>
+              <a:rPr lang="en-US" sz="1200" b="1" dirty="0" smtClean="0"/>
+              <a:t>id) </a:t>
+            </a:r>
+            <a:r>
+              <a:rPr lang="en-US" sz="1200" dirty="0"/>
+              <a:t>constructor will be invoked</a:t>
+            </a:r>
+            <a:r>
+              <a:rPr lang="en-US" sz="1200" b="1" dirty="0"/>
+              <a:t>.</a:t>
+            </a:r>
+            <a:endParaRPr lang="en-US" sz="1200" dirty="0"/>
           </a:p>
         </p:txBody>
       </p:sp>

--- a/Later/Spring/4_Dependency_Injection/4/Dependency Injection by Constructor_Injecting primitive.pptx
+++ b/Later/Spring/4_Dependency_Injection/4/Dependency Injection by Constructor_Injecting primitive.pptx
@@ -5,13 +5,14 @@
     <p:sldMasterId id="2147483672" r:id="rId1"/>
   </p:sldMasterIdLst>
   <p:notesMasterIdLst>
-    <p:notesMasterId r:id="rId6"/>
+    <p:notesMasterId r:id="rId7"/>
   </p:notesMasterIdLst>
   <p:sldIdLst>
     <p:sldId id="436" r:id="rId2"/>
     <p:sldId id="437" r:id="rId3"/>
     <p:sldId id="438" r:id="rId4"/>
     <p:sldId id="439" r:id="rId5"/>
+    <p:sldId id="440" r:id="rId6"/>
   </p:sldIdLst>
   <p:sldSz cx="9144000" cy="5029200"/>
   <p:notesSz cx="6858000" cy="9144000"/>
@@ -801,6 +802,95 @@
             <a:fld id="{A883C400-BD9D-4609-A213-F91E9750031E}" type="slidenum">
               <a:rPr lang="en-US" smtClean="0"/>
               <a:t>4</a:t>
+            </a:fld>
+            <a:endParaRPr lang="en-US" dirty="0"/>
+          </a:p>
+        </p:txBody>
+      </p:sp>
+    </p:spTree>
+    <p:extLst>
+      <p:ext uri="{BB962C8B-B14F-4D97-AF65-F5344CB8AC3E}">
+        <p14:creationId xmlns:p14="http://schemas.microsoft.com/office/powerpoint/2010/main" val="4195558700"/>
+      </p:ext>
+    </p:extLst>
+  </p:cSld>
+  <p:clrMapOvr>
+    <a:masterClrMapping/>
+  </p:clrMapOvr>
+</p:notes>
+</file>
+
+<file path=ppt/notesSlides/notesSlide5.xml><?xml version="1.0" encoding="utf-8"?>
+<p:notes xmlns:a="http://schemas.openxmlformats.org/drawingml/2006/main" xmlns:r="http://schemas.openxmlformats.org/officeDocument/2006/relationships" xmlns:p="http://schemas.openxmlformats.org/presentationml/2006/main">
+  <p:cSld>
+    <p:spTree>
+      <p:nvGrpSpPr>
+        <p:cNvPr id="1" name=""/>
+        <p:cNvGrpSpPr/>
+        <p:nvPr/>
+      </p:nvGrpSpPr>
+      <p:grpSpPr>
+        <a:xfrm>
+          <a:off x="0" y="0"/>
+          <a:ext cx="0" cy="0"/>
+          <a:chOff x="0" y="0"/>
+          <a:chExt cx="0" cy="0"/>
+        </a:xfrm>
+      </p:grpSpPr>
+      <p:sp>
+        <p:nvSpPr>
+          <p:cNvPr id="2" name="Slide Image Placeholder 1"/>
+          <p:cNvSpPr>
+            <a:spLocks noGrp="1" noRot="1" noChangeAspect="1"/>
+          </p:cNvSpPr>
+          <p:nvPr>
+            <p:ph type="sldImg"/>
+          </p:nvPr>
+        </p:nvSpPr>
+        <p:spPr>
+          <a:xfrm>
+            <a:off x="312738" y="685800"/>
+            <a:ext cx="6232525" cy="3429000"/>
+          </a:xfrm>
+        </p:spPr>
+      </p:sp>
+      <p:sp>
+        <p:nvSpPr>
+          <p:cNvPr id="3" name="Notes Placeholder 2"/>
+          <p:cNvSpPr>
+            <a:spLocks noGrp="1"/>
+          </p:cNvSpPr>
+          <p:nvPr>
+            <p:ph type="body" idx="1"/>
+          </p:nvPr>
+        </p:nvSpPr>
+        <p:spPr/>
+        <p:txBody>
+          <a:bodyPr/>
+          <a:lstStyle/>
+          <a:p>
+            <a:endParaRPr lang="en-US" dirty="0"/>
+          </a:p>
+        </p:txBody>
+      </p:sp>
+      <p:sp>
+        <p:nvSpPr>
+          <p:cNvPr id="4" name="Slide Number Placeholder 3"/>
+          <p:cNvSpPr>
+            <a:spLocks noGrp="1"/>
+          </p:cNvSpPr>
+          <p:nvPr>
+            <p:ph type="sldNum" sz="quarter" idx="10"/>
+          </p:nvPr>
+        </p:nvSpPr>
+        <p:spPr/>
+        <p:txBody>
+          <a:bodyPr/>
+          <a:lstStyle/>
+          <a:p>
+            <a:fld id="{A883C400-BD9D-4609-A213-F91E9750031E}" type="slidenum">
+              <a:rPr lang="en-US" smtClean="0"/>
+              <a:t>5</a:t>
             </a:fld>
             <a:endParaRPr lang="en-US" dirty="0"/>
           </a:p>
@@ -4762,19 +4852,11 @@
             </a:r>
             <a:r>
               <a:rPr lang="en-US" sz="1200" dirty="0"/>
-              <a:t>constructor-arg element invokes the constructor. In such case, parameterized constructor of int type will be invoked. The value attribute of constructor-arg element will assign the specified value. The type attribute specifies that int parameter constructor will be invoked</a:t>
-            </a:r>
-            <a:r>
-              <a:rPr lang="en-US" sz="1200" dirty="0"/>
-              <a:t>. In this example Employee(</a:t>
+              <a:t>constructor-arg element invokes the constructor. In such case, parameterized constructor of int type will be invoked. The value attribute of constructor-arg element will assign the specified value. The type attribute specifies that int parameter constructor will be invoked. In this example Employee(</a:t>
             </a:r>
             <a:r>
               <a:rPr lang="en-US" sz="1200" b="1" dirty="0"/>
-              <a:t>int</a:t>
-            </a:r>
-            <a:r>
-              <a:rPr lang="en-US" sz="1200" b="1" dirty="0"/>
-              <a:t> </a:t>
+              <a:t>int </a:t>
             </a:r>
             <a:r>
               <a:rPr lang="en-US" sz="1200" b="1" dirty="0" smtClean="0"/>
@@ -5009,6 +5091,812 @@
           </a:p>
         </p:txBody>
       </p:sp>
+      <p:sp>
+        <p:nvSpPr>
+          <p:cNvPr id="5" name="Rounded Rectangle 4"/>
+          <p:cNvSpPr/>
+          <p:nvPr/>
+        </p:nvSpPr>
+        <p:spPr>
+          <a:xfrm>
+            <a:off x="2790825" y="2209800"/>
+            <a:ext cx="2819400" cy="1447800"/>
+          </a:xfrm>
+          <a:prstGeom prst="roundRect">
+            <a:avLst/>
+          </a:prstGeom>
+        </p:spPr>
+        <p:style>
+          <a:lnRef idx="1">
+            <a:schemeClr val="accent4"/>
+          </a:lnRef>
+          <a:fillRef idx="2">
+            <a:schemeClr val="accent4"/>
+          </a:fillRef>
+          <a:effectRef idx="1">
+            <a:schemeClr val="accent4"/>
+          </a:effectRef>
+          <a:fontRef idx="minor">
+            <a:schemeClr val="dk1"/>
+          </a:fontRef>
+        </p:style>
+        <p:txBody>
+          <a:bodyPr rtlCol="0" anchor="t"/>
+          <a:lstStyle/>
+          <a:p>
+            <a:r>
+              <a:rPr lang="en-US" sz="1200" dirty="0" smtClean="0"/>
+              <a:t>The Spring Container</a:t>
+            </a:r>
+          </a:p>
+          <a:p>
+            <a:r>
+              <a:rPr lang="en-US" sz="1200" dirty="0" smtClean="0"/>
+              <a:t>(</a:t>
+            </a:r>
+            <a:r>
+              <a:rPr lang="en-US" sz="1200" dirty="0"/>
+              <a:t>ApplicationContext</a:t>
+            </a:r>
+            <a:r>
+              <a:rPr lang="en-US" sz="1200" dirty="0" smtClean="0"/>
+              <a:t>)</a:t>
+            </a:r>
+            <a:endParaRPr lang="en-US" sz="1200" dirty="0"/>
+          </a:p>
+        </p:txBody>
+      </p:sp>
+      <p:sp>
+        <p:nvSpPr>
+          <p:cNvPr id="6" name="Rectangle 5"/>
+          <p:cNvSpPr/>
+          <p:nvPr/>
+        </p:nvSpPr>
+        <p:spPr>
+          <a:xfrm>
+            <a:off x="871003" y="2614910"/>
+            <a:ext cx="1624547" cy="276999"/>
+          </a:xfrm>
+          <a:prstGeom prst="rect">
+            <a:avLst/>
+          </a:prstGeom>
+        </p:spPr>
+        <p:style>
+          <a:lnRef idx="3">
+            <a:schemeClr val="lt1"/>
+          </a:lnRef>
+          <a:fillRef idx="1">
+            <a:schemeClr val="accent2"/>
+          </a:fillRef>
+          <a:effectRef idx="1">
+            <a:schemeClr val="accent2"/>
+          </a:effectRef>
+          <a:fontRef idx="minor">
+            <a:schemeClr val="lt1"/>
+          </a:fontRef>
+        </p:style>
+        <p:txBody>
+          <a:bodyPr wrap="none">
+            <a:spAutoFit/>
+          </a:bodyPr>
+          <a:lstStyle/>
+          <a:p>
+            <a:r>
+              <a:rPr lang="en-US" sz="1200" dirty="0"/>
+              <a:t>applicationContext.xml</a:t>
+            </a:r>
+          </a:p>
+        </p:txBody>
+      </p:sp>
+      <p:cxnSp>
+        <p:nvCxnSpPr>
+          <p:cNvPr id="8" name="Straight Arrow Connector 7"/>
+          <p:cNvCxnSpPr/>
+          <p:nvPr/>
+        </p:nvCxnSpPr>
+        <p:spPr>
+          <a:xfrm>
+            <a:off x="765175" y="2933700"/>
+            <a:ext cx="1978025" cy="0"/>
+          </a:xfrm>
+          <a:prstGeom prst="straightConnector1">
+            <a:avLst/>
+          </a:prstGeom>
+          <a:ln>
+            <a:tailEnd type="arrow"/>
+          </a:ln>
+        </p:spPr>
+        <p:style>
+          <a:lnRef idx="1">
+            <a:schemeClr val="accent1"/>
+          </a:lnRef>
+          <a:fillRef idx="0">
+            <a:schemeClr val="accent1"/>
+          </a:fillRef>
+          <a:effectRef idx="0">
+            <a:schemeClr val="accent1"/>
+          </a:effectRef>
+          <a:fontRef idx="minor">
+            <a:schemeClr val="tx1"/>
+          </a:fontRef>
+        </p:style>
+      </p:cxnSp>
+      <p:cxnSp>
+        <p:nvCxnSpPr>
+          <p:cNvPr id="10" name="Straight Arrow Connector 9"/>
+          <p:cNvCxnSpPr>
+            <a:endCxn id="5" idx="0"/>
+          </p:cNvCxnSpPr>
+          <p:nvPr/>
+        </p:nvCxnSpPr>
+        <p:spPr>
+          <a:xfrm>
+            <a:off x="4200525" y="838200"/>
+            <a:ext cx="0" cy="1371600"/>
+          </a:xfrm>
+          <a:prstGeom prst="straightConnector1">
+            <a:avLst/>
+          </a:prstGeom>
+          <a:ln>
+            <a:tailEnd type="arrow"/>
+          </a:ln>
+        </p:spPr>
+        <p:style>
+          <a:lnRef idx="1">
+            <a:schemeClr val="accent1"/>
+          </a:lnRef>
+          <a:fillRef idx="0">
+            <a:schemeClr val="accent1"/>
+          </a:fillRef>
+          <a:effectRef idx="0">
+            <a:schemeClr val="accent1"/>
+          </a:effectRef>
+          <a:fontRef idx="minor">
+            <a:schemeClr val="tx1"/>
+          </a:fontRef>
+        </p:style>
+      </p:cxnSp>
+      <p:sp>
+        <p:nvSpPr>
+          <p:cNvPr id="13" name="Rectangle 12"/>
+          <p:cNvSpPr/>
+          <p:nvPr/>
+        </p:nvSpPr>
+        <p:spPr>
+          <a:xfrm>
+            <a:off x="4219575" y="1524000"/>
+            <a:ext cx="750526" cy="261610"/>
+          </a:xfrm>
+          <a:prstGeom prst="rect">
+            <a:avLst/>
+          </a:prstGeom>
+        </p:spPr>
+        <p:style>
+          <a:lnRef idx="3">
+            <a:schemeClr val="lt1"/>
+          </a:lnRef>
+          <a:fillRef idx="1">
+            <a:schemeClr val="accent2"/>
+          </a:fillRef>
+          <a:effectRef idx="1">
+            <a:schemeClr val="accent2"/>
+          </a:effectRef>
+          <a:fontRef idx="minor">
+            <a:schemeClr val="lt1"/>
+          </a:fontRef>
+        </p:style>
+        <p:txBody>
+          <a:bodyPr wrap="none">
+            <a:spAutoFit/>
+          </a:bodyPr>
+          <a:lstStyle/>
+          <a:p>
+            <a:r>
+              <a:rPr lang="en-US" sz="1100" dirty="0"/>
+              <a:t>Employee</a:t>
+            </a:r>
+          </a:p>
+        </p:txBody>
+      </p:sp>
+      <p:sp>
+        <p:nvSpPr>
+          <p:cNvPr id="15" name="Oval 14"/>
+          <p:cNvSpPr/>
+          <p:nvPr/>
+        </p:nvSpPr>
+        <p:spPr>
+          <a:xfrm>
+            <a:off x="3562350" y="2753409"/>
+            <a:ext cx="1295400" cy="789891"/>
+          </a:xfrm>
+          <a:prstGeom prst="ellipse">
+            <a:avLst/>
+          </a:prstGeom>
+        </p:spPr>
+        <p:style>
+          <a:lnRef idx="1">
+            <a:schemeClr val="accent6"/>
+          </a:lnRef>
+          <a:fillRef idx="2">
+            <a:schemeClr val="accent6"/>
+          </a:fillRef>
+          <a:effectRef idx="1">
+            <a:schemeClr val="accent6"/>
+          </a:effectRef>
+          <a:fontRef idx="minor">
+            <a:schemeClr val="dk1"/>
+          </a:fontRef>
+        </p:style>
+        <p:txBody>
+          <a:bodyPr rtlCol="0" anchor="ctr"/>
+          <a:lstStyle/>
+          <a:p>
+            <a:pPr algn="ctr"/>
+            <a:endParaRPr lang="en-US"/>
+          </a:p>
+        </p:txBody>
+      </p:sp>
+      <p:sp>
+        <p:nvSpPr>
+          <p:cNvPr id="19" name="Rectangle 18"/>
+          <p:cNvSpPr/>
+          <p:nvPr/>
+        </p:nvSpPr>
+        <p:spPr>
+          <a:xfrm>
+            <a:off x="3874955" y="2859643"/>
+            <a:ext cx="651140" cy="369332"/>
+          </a:xfrm>
+          <a:prstGeom prst="rect">
+            <a:avLst/>
+          </a:prstGeom>
+        </p:spPr>
+        <p:txBody>
+          <a:bodyPr wrap="none">
+            <a:spAutoFit/>
+          </a:bodyPr>
+          <a:lstStyle/>
+          <a:p>
+            <a:r>
+              <a:rPr lang="en-US" sz="900" dirty="0" smtClean="0"/>
+              <a:t>Employee</a:t>
+            </a:r>
+          </a:p>
+          <a:p>
+            <a:r>
+              <a:rPr lang="en-US" sz="900" dirty="0" smtClean="0"/>
+              <a:t>   Object</a:t>
+            </a:r>
+            <a:endParaRPr lang="en-US" sz="900" dirty="0"/>
+          </a:p>
+        </p:txBody>
+      </p:sp>
+      <p:sp>
+        <p:nvSpPr>
+          <p:cNvPr id="16" name="TextBox 15"/>
+          <p:cNvSpPr txBox="1"/>
+          <p:nvPr/>
+        </p:nvSpPr>
+        <p:spPr>
+          <a:xfrm>
+            <a:off x="3941386" y="3238500"/>
+            <a:ext cx="537327" cy="276999"/>
+          </a:xfrm>
+          <a:prstGeom prst="rect">
+            <a:avLst/>
+          </a:prstGeom>
+          <a:noFill/>
+        </p:spPr>
+        <p:txBody>
+          <a:bodyPr wrap="none" rtlCol="0">
+            <a:spAutoFit/>
+          </a:bodyPr>
+          <a:lstStyle/>
+          <a:p>
+            <a:r>
+              <a:rPr lang="en-US" sz="1200" dirty="0" smtClean="0"/>
+              <a:t>Id=36</a:t>
+            </a:r>
+            <a:endParaRPr lang="en-US" sz="1200" dirty="0"/>
+          </a:p>
+        </p:txBody>
+      </p:sp>
+      <p:sp>
+        <p:nvSpPr>
+          <p:cNvPr id="22" name="Rectangular Callout 21"/>
+          <p:cNvSpPr/>
+          <p:nvPr/>
+        </p:nvSpPr>
+        <p:spPr>
+          <a:xfrm>
+            <a:off x="127000" y="1366339"/>
+            <a:ext cx="3216275" cy="704186"/>
+          </a:xfrm>
+          <a:prstGeom prst="wedgeRectCallout">
+            <a:avLst>
+              <a:gd name="adj1" fmla="val -6683"/>
+              <a:gd name="adj2" fmla="val 136894"/>
+            </a:avLst>
+          </a:prstGeom>
+          <a:ln w="3175"/>
+        </p:spPr>
+        <p:style>
+          <a:lnRef idx="2">
+            <a:schemeClr val="accent4"/>
+          </a:lnRef>
+          <a:fillRef idx="1">
+            <a:schemeClr val="lt1"/>
+          </a:fillRef>
+          <a:effectRef idx="0">
+            <a:schemeClr val="accent4"/>
+          </a:effectRef>
+          <a:fontRef idx="minor">
+            <a:schemeClr val="dk1"/>
+          </a:fontRef>
+        </p:style>
+        <p:txBody>
+          <a:bodyPr rtlCol="0" anchor="ctr"/>
+          <a:lstStyle/>
+          <a:p>
+            <a:pPr marL="171450" indent="-171450">
+              <a:buFont typeface="Wingdings" pitchFamily="2" charset="2"/>
+              <a:buChar char="v"/>
+            </a:pPr>
+            <a:r>
+              <a:rPr lang="en-US" sz="1100" dirty="0" smtClean="0"/>
+              <a:t>What object </a:t>
+            </a:r>
+            <a:r>
+              <a:rPr lang="en-US" sz="1100" dirty="0"/>
+              <a:t>to </a:t>
+            </a:r>
+            <a:r>
+              <a:rPr lang="en-US" sz="1100" dirty="0" smtClean="0"/>
+              <a:t>instantiate?</a:t>
+            </a:r>
+          </a:p>
+          <a:p>
+            <a:pPr marL="171450" indent="-171450">
+              <a:buFont typeface="Wingdings" pitchFamily="2" charset="2"/>
+              <a:buChar char="v"/>
+            </a:pPr>
+            <a:r>
+              <a:rPr lang="en-US" sz="1100" dirty="0" smtClean="0"/>
+              <a:t>What object to configure and how to configure?</a:t>
+            </a:r>
+          </a:p>
+        </p:txBody>
+      </p:sp>
+      <p:sp>
+        <p:nvSpPr>
+          <p:cNvPr id="23" name="Rectangular Callout 22"/>
+          <p:cNvSpPr/>
+          <p:nvPr/>
+        </p:nvSpPr>
+        <p:spPr>
+          <a:xfrm>
+            <a:off x="5334000" y="838200"/>
+            <a:ext cx="3733800" cy="880232"/>
+          </a:xfrm>
+          <a:prstGeom prst="wedgeRectCallout">
+            <a:avLst>
+              <a:gd name="adj1" fmla="val -52219"/>
+              <a:gd name="adj2" fmla="val 118769"/>
+            </a:avLst>
+          </a:prstGeom>
+          <a:ln w="3175"/>
+        </p:spPr>
+        <p:style>
+          <a:lnRef idx="2">
+            <a:schemeClr val="accent4"/>
+          </a:lnRef>
+          <a:fillRef idx="1">
+            <a:schemeClr val="lt1"/>
+          </a:fillRef>
+          <a:effectRef idx="0">
+            <a:schemeClr val="accent4"/>
+          </a:effectRef>
+          <a:fontRef idx="minor">
+            <a:schemeClr val="dk1"/>
+          </a:fontRef>
+        </p:style>
+        <p:txBody>
+          <a:bodyPr rtlCol="0" anchor="ctr"/>
+          <a:lstStyle/>
+          <a:p>
+            <a:pPr marL="171450" indent="-171450">
+              <a:buFont typeface="Wingdings" pitchFamily="2" charset="2"/>
+              <a:buChar char="v"/>
+            </a:pPr>
+            <a:r>
+              <a:rPr lang="en-US" sz="1100" dirty="0"/>
+              <a:t>C</a:t>
+            </a:r>
+            <a:r>
+              <a:rPr lang="en-US" sz="1100" dirty="0" smtClean="0"/>
+              <a:t>reate employee object</a:t>
+            </a:r>
+          </a:p>
+          <a:p>
+            <a:pPr marL="171450" indent="-171450">
+              <a:buFont typeface="Wingdings" pitchFamily="2" charset="2"/>
+              <a:buChar char="v"/>
+            </a:pPr>
+            <a:r>
+              <a:rPr lang="en-US" sz="1100" dirty="0" smtClean="0"/>
+              <a:t>Configure the  employee object</a:t>
+            </a:r>
+          </a:p>
+          <a:p>
+            <a:pPr marL="171450" indent="-171450">
+              <a:buFont typeface="Wingdings" pitchFamily="2" charset="2"/>
+              <a:buChar char="v"/>
+            </a:pPr>
+            <a:r>
+              <a:rPr lang="en-US" sz="1100" dirty="0"/>
+              <a:t>M</a:t>
+            </a:r>
+            <a:r>
+              <a:rPr lang="en-US" sz="1100" dirty="0" smtClean="0"/>
+              <a:t>anage employee object complete </a:t>
+            </a:r>
+            <a:r>
+              <a:rPr lang="en-US" sz="1100" dirty="0"/>
+              <a:t>life cycle from creation till destruction.</a:t>
+            </a:r>
+          </a:p>
+        </p:txBody>
+      </p:sp>
+    </p:spTree>
+    <p:extLst>
+      <p:ext uri="{BB962C8B-B14F-4D97-AF65-F5344CB8AC3E}">
+        <p14:creationId xmlns:p14="http://schemas.microsoft.com/office/powerpoint/2010/main" val="2229691683"/>
+      </p:ext>
+    </p:extLst>
+  </p:cSld>
+  <p:clrMapOvr>
+    <a:masterClrMapping/>
+  </p:clrMapOvr>
+  <mc:AlternateContent xmlns:mc="http://schemas.openxmlformats.org/markup-compatibility/2006" xmlns:p14="http://schemas.microsoft.com/office/powerpoint/2010/main">
+    <mc:Choice Requires="p14">
+      <p:transition spd="slow" p14:dur="2000"/>
+    </mc:Choice>
+    <mc:Fallback xmlns="">
+      <p:transition spd="slow"/>
+    </mc:Fallback>
+  </mc:AlternateContent>
+  <p:timing>
+    <p:tnLst>
+      <p:par>
+        <p:cTn id="1" dur="indefinite" restart="never" nodeType="tmRoot">
+          <p:childTnLst>
+            <p:seq concurrent="1" nextAc="seek">
+              <p:cTn id="2" dur="indefinite" nodeType="mainSeq">
+                <p:childTnLst>
+                  <p:par>
+                    <p:cTn id="3" fill="hold">
+                      <p:stCondLst>
+                        <p:cond delay="indefinite"/>
+                      </p:stCondLst>
+                      <p:childTnLst>
+                        <p:par>
+                          <p:cTn id="4" fill="hold">
+                            <p:stCondLst>
+                              <p:cond delay="0"/>
+                            </p:stCondLst>
+                            <p:childTnLst>
+                              <p:par>
+                                <p:cTn id="5" presetID="22" presetClass="entr" presetSubtype="4" fill="hold" grpId="0" nodeType="clickEffect">
+                                  <p:stCondLst>
+                                    <p:cond delay="0"/>
+                                  </p:stCondLst>
+                                  <p:childTnLst>
+                                    <p:set>
+                                      <p:cBhvr>
+                                        <p:cTn id="6" dur="1" fill="hold">
+                                          <p:stCondLst>
+                                            <p:cond delay="0"/>
+                                          </p:stCondLst>
+                                        </p:cTn>
+                                        <p:tgtEl>
+                                          <p:spTgt spid="22"/>
+                                        </p:tgtEl>
+                                        <p:attrNameLst>
+                                          <p:attrName>style.visibility</p:attrName>
+                                        </p:attrNameLst>
+                                      </p:cBhvr>
+                                      <p:to>
+                                        <p:strVal val="visible"/>
+                                      </p:to>
+                                    </p:set>
+                                    <p:animEffect transition="in" filter="wipe(down)">
+                                      <p:cBhvr>
+                                        <p:cTn id="7" dur="500"/>
+                                        <p:tgtEl>
+                                          <p:spTgt spid="22"/>
+                                        </p:tgtEl>
+                                      </p:cBhvr>
+                                    </p:animEffect>
+                                  </p:childTnLst>
+                                </p:cTn>
+                              </p:par>
+                            </p:childTnLst>
+                          </p:cTn>
+                        </p:par>
+                      </p:childTnLst>
+                    </p:cTn>
+                  </p:par>
+                  <p:par>
+                    <p:cTn id="8" fill="hold">
+                      <p:stCondLst>
+                        <p:cond delay="indefinite"/>
+                      </p:stCondLst>
+                      <p:childTnLst>
+                        <p:par>
+                          <p:cTn id="9" fill="hold">
+                            <p:stCondLst>
+                              <p:cond delay="0"/>
+                            </p:stCondLst>
+                            <p:childTnLst>
+                              <p:par>
+                                <p:cTn id="10" presetID="22" presetClass="entr" presetSubtype="4" fill="hold" grpId="0" nodeType="clickEffect">
+                                  <p:stCondLst>
+                                    <p:cond delay="0"/>
+                                  </p:stCondLst>
+                                  <p:childTnLst>
+                                    <p:set>
+                                      <p:cBhvr>
+                                        <p:cTn id="11" dur="1" fill="hold">
+                                          <p:stCondLst>
+                                            <p:cond delay="0"/>
+                                          </p:stCondLst>
+                                        </p:cTn>
+                                        <p:tgtEl>
+                                          <p:spTgt spid="23"/>
+                                        </p:tgtEl>
+                                        <p:attrNameLst>
+                                          <p:attrName>style.visibility</p:attrName>
+                                        </p:attrNameLst>
+                                      </p:cBhvr>
+                                      <p:to>
+                                        <p:strVal val="visible"/>
+                                      </p:to>
+                                    </p:set>
+                                    <p:animEffect transition="in" filter="wipe(down)">
+                                      <p:cBhvr>
+                                        <p:cTn id="12" dur="500"/>
+                                        <p:tgtEl>
+                                          <p:spTgt spid="23"/>
+                                        </p:tgtEl>
+                                      </p:cBhvr>
+                                    </p:animEffect>
+                                  </p:childTnLst>
+                                </p:cTn>
+                              </p:par>
+                            </p:childTnLst>
+                          </p:cTn>
+                        </p:par>
+                      </p:childTnLst>
+                    </p:cTn>
+                  </p:par>
+                </p:childTnLst>
+              </p:cTn>
+              <p:prevCondLst>
+                <p:cond evt="onPrev" delay="0">
+                  <p:tgtEl>
+                    <p:sldTgt/>
+                  </p:tgtEl>
+                </p:cond>
+              </p:prevCondLst>
+              <p:nextCondLst>
+                <p:cond evt="onNext" delay="0">
+                  <p:tgtEl>
+                    <p:sldTgt/>
+                  </p:tgtEl>
+                </p:cond>
+              </p:nextCondLst>
+            </p:seq>
+          </p:childTnLst>
+        </p:cTn>
+      </p:par>
+    </p:tnLst>
+    <p:bldLst>
+      <p:bldP spid="22" grpId="0" animBg="1"/>
+      <p:bldP spid="23" grpId="0" animBg="1"/>
+    </p:bldLst>
+  </p:timing>
+</p:sld>
+</file>
+
+<file path=ppt/slides/slide5.xml><?xml version="1.0" encoding="utf-8"?>
+<p:sld xmlns:a="http://schemas.openxmlformats.org/drawingml/2006/main" xmlns:r="http://schemas.openxmlformats.org/officeDocument/2006/relationships" xmlns:p="http://schemas.openxmlformats.org/presentationml/2006/main">
+  <p:cSld>
+    <p:spTree>
+      <p:nvGrpSpPr>
+        <p:cNvPr id="1" name=""/>
+        <p:cNvGrpSpPr/>
+        <p:nvPr/>
+      </p:nvGrpSpPr>
+      <p:grpSpPr>
+        <a:xfrm>
+          <a:off x="0" y="0"/>
+          <a:ext cx="0" cy="0"/>
+          <a:chOff x="0" y="0"/>
+          <a:chExt cx="0" cy="0"/>
+        </a:xfrm>
+      </p:grpSpPr>
+      <p:sp>
+        <p:nvSpPr>
+          <p:cNvPr id="3" name="AutoShape 2" descr="data:image/png;base64,iVBORw0KGgoAAAANSUhEUgAAANEAAADxCAMAAABiSKLrAAAAbFBMVEWIiIj////6+vr29vb19fX4+Pj5+fnu7u77+/v39/f9/f3z8/P+/v709PT8/Pyqqqrt7e3v7+/w8PDx8fHy8vK+vr7Q0NCjo6OBgYHY2Njk5OTHx8eNjY3c3NzGxsbn5+eWlpa1tbWcnJx6enob4+f+AAAIqklEQVR4nO3dCZuaOhQGYEZAh0FkX2W1//8/lkVMICeIkRmOPHz22lYg5OVEZLFzJRNrnC+xSGt3nJvQekMUYktnEiM1ouDrjCs/pukLkzoRtpjmNRcloRUFoiS8oo5UvLwsYpEgCaXoHLYiMRJqkRAJt0iEhFwkQMIqCgJRElpRLErCL3r1oxavSJSEWCRIQikyOtGQNPd8CaXICc04FiXhFomQkIsESChFbmhmwiT0opf3eBivMzSjLuORnh49oKxRKxIloayR24oESShFRScSI6EUJaGZCJNwiwhp/skFcpFAlbCLXiehF71MQisSJiEVVYkwqRP9oEpXI1HSXXRuWjo/2jz3f3v8YfjS7871lbU1EiT1IjrAKrvX/2iurzisijkk8OQC5ah7iERIyEUCJOyi10noRU9J490DUpFPRAApniJhFVnzSaOdOF6RKAmlKGhFgiTMohdIyYeIhEh30aV99E9NLo8VXLqn++Q/mIuIREid6DJsv32s91Ityi1hEtJRl5+ESX2NMKUR2ZYoCbNIjIRV5FiiJIyicx7mriVEKnCKfvxadBIloRQ1NTqJkcICpcgPr7rjOPYJZnFNbZVwikw/YHNlXmDi4xW9kU70jSnNqOu/xL4R0aWg3yNMgNHWp0I66i7Dy5PsdXFuApw1Eg8RndfuykLZa4Q/512EPrsIfzYtOmwje43wh4h+1u7KQvm5bk601wh9NlijXYQ+uwh/HqLrZkTXh+h4PDQP8lQ/PvAlSrT2xl0oRHQ5biOXXYQ+uwh/dhH+7CL82bRI3Ua2XKPvtTfuQvneReizi/BnF+HPLsKfTYu0bYQWsd5PfImIDmtv3IVy2EXos4vwZxfhzy7CH0okbyO7CH+2/D46rr1xF8pxF6HPLsKfXYQ/uwh/KJGyjWxatPZwWShEpK69cReKuovQZxfhzy7Cn12EP0SkGduItmHRzFF3P3r63ZHzTl4YdYqsHg/e/YdF2e7xcFRVrba109gMFp2evGhmjzpFVZLcvJVpl7K8hWaVB1liNVNdJh7VZ4Wd7P4aaa5I866lFEnDRHWksC5eVgtH8VWy8PHGTE5V/rr+QqSocTnm9CpTM+SMmRhVVJcPKbPYv5VFcs7x1F3P1eeikl1sXZHGB0lRLH+eSI75ICk6KZ8nctkOkaQN+cNEWjBRIimU0YpkHY4hmxOgqNIMHRaRJo6giLO+dyM/F1nsvpfqWVAv92Eihe0u3bNE+TgR/FkURfWhUHPMIBsguh6N0yKNs7o/EGkVIEpj+XA8fltJ0GzqDxMdQwBka+2gqQ/p9FYkpaNIiEXuje3OddQfg738rFCTcYmME9sdKXntbY1MBOy802JrotJ6bSUiInLia7y2+aZEbXuyxXbn5vXXGQazDs+6xUWGoql2kXU/DDrOssLWNFmZ65oQufeflwvU6PHDdO8ki/0xu/Rb7RVRvZNJgupW7y3bU+T6JLnej97MPLNUhbPIbJEV9U2y/eknHds5lfhfNMo/sb23oRX5LQXWGUmpGdtz3nxEpOiep7eP+5MFUEZJj+0SCnsCVX/CkrZUQFRvQG+8RkNOzHTi5LL0rW6x8YL0bwolGtdolqir0fQxAyQCNrdsVczFmdFS6fXp+4kSecPMEqntrAYkkklTYI288frkYKI+j+XCYtzRUdCIdMV/7mkWTDNmY6AU6bo5C9QknqwSEpFuzAdJUjZFQiJSoFMWfhIDu0ievDjD5ubquEV6AjVet3krU3B/Hvn8cYdDBJxUSlKVaJqmWvENMiXcImEQKcCYi26W1nZaN9SAXXFkcos0JZpxXLeICDpLDnVSBDkDusAtEhGN72p5J78LcMbn9+nudemgiDSlASLF66cC20NKbZ3qCnAnIfKp9gcxiIjVPj8/8mbVCBY9VsNes42C4YgBrgyUJ06NpkRdCuD8yB418pYIOkl2hyuQ2SOkKOMMO4M76vrBB4sG84Cjjrr5Cooeo4TdLwyGbLsC4IKgD93dHY66lUQye7gQxfqgfdcDhr7JeSOtLoL2dOn4KEdX2E+s0hp24j3RaUERsPnLLBmlYPceaYJVBB0Bja85p8ANn3rXgFX02kEqaSGAeywoGs7zjghYdqYoxyp68USCtMDZfX+wqHomav53fkBcWDSYx4NEBpkuAyLj3oSwSDIVsMM6ETVAp/3V/KG2tP/xRPRccI1IW7Comyr8PupE9052bbW/0yLHpX/1T1wRmQuskULa4oqcd/Z1pjLu6li0zqgDP49m5fmo+2NR3z50zFBYczLsBB6Rxx6y8Q5wRoE7LCaylhM5BnTs7cGdmZP1RZzdygeLXOjW9fg94jYXUnjjbBHRcJ5nImVKBA67fFgkL/HzIE4KRW7vM0/i/kQ0WSPHg75KldHdqc+h7pfZ0jKs/GuDM3hvNSLizSEqoroE1Yia7ELf00kIWS/o09z+EmLA6bC3hMh9TwRskDq51x47e4Zzhc73Qt64wyByPOjmUVT6cZZkcQV+0zxNflX05qgD36tSe3MilcCr1FLEe9sPRDYYjmgwD1wjMl1hm4h0ugF43PETVd6wB3RbKES2Pu+2cr9waHFBWESO+8JtyxrkckFYRDa8dxAAoRHNH3hRNTHkUIlsY9Z3TqR6LzcFokScSsKi4TzPRMYske0VT78XJJkJZ8uTzojV6FdEtmNkE9/diqLUzJTpAtmzalQyF6FvI5ETA9+OpraQwTYhwRvQMYqryX6sNn8vq8AynnqoGuXuCY7N/vMR3R7N47DzePR04J+gjJt4rM7V3SzwzbC8FzYtb2Z1jQtDd3nLDOLmD1E9v90++qfT4Lfh5N+cq/508shXb5st6Ll1cWa2RYu2EUo0p6QfkF2EP7sIf3YR/hCRs3ZXFoqzYdEGR92su1D4Q486yzq1D/L0iS85W67R2l1ZKLsIfzYs4l05+bg8rpxU/lZS3UXbyvZE/wFXu+LXNTDaDQAAAABJRU5ErkJggg=="/>
+          <p:cNvSpPr>
+            <a:spLocks noChangeAspect="1" noChangeArrowheads="1"/>
+          </p:cNvSpPr>
+          <p:nvPr/>
+        </p:nvSpPr>
+        <p:spPr bwMode="auto">
+          <a:xfrm>
+            <a:off x="155575" y="-144463"/>
+            <a:ext cx="304800" cy="304801"/>
+          </a:xfrm>
+          <a:prstGeom prst="rect">
+            <a:avLst/>
+          </a:prstGeom>
+          <a:noFill/>
+          <a:extLst>
+            <a:ext uri="{909E8E84-426E-40DD-AFC4-6F175D3DCCD1}">
+              <a14:hiddenFill xmlns:a14="http://schemas.microsoft.com/office/drawing/2010/main">
+                <a:solidFill>
+                  <a:srgbClr val="FFFFFF"/>
+                </a:solidFill>
+              </a14:hiddenFill>
+            </a:ext>
+          </a:extLst>
+        </p:spPr>
+        <p:txBody>
+          <a:bodyPr vert="horz" wrap="square" lIns="91440" tIns="45720" rIns="91440" bIns="45720" numCol="1" anchor="t" anchorCtr="0" compatLnSpc="1">
+            <a:prstTxWarp prst="textNoShape">
+              <a:avLst/>
+            </a:prstTxWarp>
+          </a:bodyPr>
+          <a:lstStyle/>
+          <a:p>
+            <a:endParaRPr lang="en-US" sz="1200" dirty="0"/>
+          </a:p>
+        </p:txBody>
+      </p:sp>
+      <p:sp>
+        <p:nvSpPr>
+          <p:cNvPr id="17" name="Rectangle 16"/>
+          <p:cNvSpPr/>
+          <p:nvPr/>
+        </p:nvSpPr>
+        <p:spPr>
+          <a:xfrm>
+            <a:off x="2514600" y="27801"/>
+            <a:ext cx="4114800" cy="276999"/>
+          </a:xfrm>
+          <a:prstGeom prst="rect">
+            <a:avLst/>
+          </a:prstGeom>
+        </p:spPr>
+        <p:style>
+          <a:lnRef idx="1">
+            <a:schemeClr val="accent4"/>
+          </a:lnRef>
+          <a:fillRef idx="3">
+            <a:schemeClr val="accent4"/>
+          </a:fillRef>
+          <a:effectRef idx="2">
+            <a:schemeClr val="accent4"/>
+          </a:effectRef>
+          <a:fontRef idx="minor">
+            <a:schemeClr val="lt1"/>
+          </a:fontRef>
+        </p:style>
+        <p:txBody>
+          <a:bodyPr wrap="square">
+            <a:spAutoFit/>
+          </a:bodyPr>
+          <a:lstStyle/>
+          <a:p>
+            <a:r>
+              <a:rPr lang="en-US" sz="1200" dirty="0"/>
+              <a:t>Dependency Injection by </a:t>
+            </a:r>
+            <a:r>
+              <a:rPr lang="en-US" sz="1200" dirty="0" smtClean="0"/>
+              <a:t>Constructor - </a:t>
+            </a:r>
+            <a:r>
+              <a:rPr lang="en-US" sz="1200" dirty="0"/>
+              <a:t>Injecting primitive </a:t>
+            </a:r>
+            <a:r>
+              <a:rPr lang="en-US" sz="1200" dirty="0" smtClean="0"/>
+              <a:t>value</a:t>
+            </a:r>
+            <a:endParaRPr lang="en-US" sz="1200" dirty="0"/>
+          </a:p>
+        </p:txBody>
+      </p:sp>
+      <p:sp>
+        <p:nvSpPr>
+          <p:cNvPr id="2" name="AutoShape 2" descr="Image result for file"/>
+          <p:cNvSpPr>
+            <a:spLocks noChangeAspect="1" noChangeArrowheads="1"/>
+          </p:cNvSpPr>
+          <p:nvPr/>
+        </p:nvSpPr>
+        <p:spPr bwMode="auto">
+          <a:xfrm>
+            <a:off x="307975" y="7937"/>
+            <a:ext cx="304800" cy="304801"/>
+          </a:xfrm>
+          <a:prstGeom prst="rect">
+            <a:avLst/>
+          </a:prstGeom>
+          <a:noFill/>
+          <a:extLst>
+            <a:ext uri="{909E8E84-426E-40DD-AFC4-6F175D3DCCD1}">
+              <a14:hiddenFill xmlns:a14="http://schemas.microsoft.com/office/drawing/2010/main">
+                <a:solidFill>
+                  <a:srgbClr val="FFFFFF"/>
+                </a:solidFill>
+              </a14:hiddenFill>
+            </a:ext>
+          </a:extLst>
+        </p:spPr>
+        <p:txBody>
+          <a:bodyPr vert="horz" wrap="square" lIns="91440" tIns="45720" rIns="91440" bIns="45720" numCol="1" anchor="t" anchorCtr="0" compatLnSpc="1">
+            <a:prstTxWarp prst="textNoShape">
+              <a:avLst/>
+            </a:prstTxWarp>
+          </a:bodyPr>
+          <a:lstStyle/>
+          <a:p>
+            <a:endParaRPr lang="en-US" dirty="0"/>
+          </a:p>
+        </p:txBody>
+      </p:sp>
+      <p:sp>
+        <p:nvSpPr>
+          <p:cNvPr id="4" name="AutoShape 4" descr="Image result for file"/>
+          <p:cNvSpPr>
+            <a:spLocks noChangeAspect="1" noChangeArrowheads="1"/>
+          </p:cNvSpPr>
+          <p:nvPr/>
+        </p:nvSpPr>
+        <p:spPr bwMode="auto">
+          <a:xfrm>
+            <a:off x="460375" y="160337"/>
+            <a:ext cx="304800" cy="304801"/>
+          </a:xfrm>
+          <a:prstGeom prst="rect">
+            <a:avLst/>
+          </a:prstGeom>
+          <a:noFill/>
+          <a:extLst>
+            <a:ext uri="{909E8E84-426E-40DD-AFC4-6F175D3DCCD1}">
+              <a14:hiddenFill xmlns:a14="http://schemas.microsoft.com/office/drawing/2010/main">
+                <a:solidFill>
+                  <a:srgbClr val="FFFFFF"/>
+                </a:solidFill>
+              </a14:hiddenFill>
+            </a:ext>
+          </a:extLst>
+        </p:spPr>
+        <p:txBody>
+          <a:bodyPr vert="horz" wrap="square" lIns="91440" tIns="45720" rIns="91440" bIns="45720" numCol="1" anchor="t" anchorCtr="0" compatLnSpc="1">
+            <a:prstTxWarp prst="textNoShape">
+              <a:avLst/>
+            </a:prstTxWarp>
+          </a:bodyPr>
+          <a:lstStyle/>
+          <a:p>
+            <a:endParaRPr lang="en-US" dirty="0"/>
+          </a:p>
+        </p:txBody>
+      </p:sp>
       <p:pic>
         <p:nvPicPr>
           <p:cNvPr id="3074" name="Picture 2"/>
@@ -5122,7 +6010,7 @@
     </p:spTree>
     <p:extLst>
       <p:ext uri="{BB962C8B-B14F-4D97-AF65-F5344CB8AC3E}">
-        <p14:creationId xmlns:p14="http://schemas.microsoft.com/office/powerpoint/2010/main" val="2229691683"/>
+        <p14:creationId xmlns:p14="http://schemas.microsoft.com/office/powerpoint/2010/main" val="4166214857"/>
       </p:ext>
     </p:extLst>
   </p:cSld>

--- a/Later/Spring/4_Dependency_Injection/4/Dependency Injection by Constructor_Injecting primitive.pptx
+++ b/Later/Spring/4_Dependency_Injection/4/Dependency Injection by Constructor_Injecting primitive.pptx
@@ -5154,7 +5154,7 @@
         </p:nvSpPr>
         <p:spPr>
           <a:xfrm>
-            <a:off x="871003" y="2614910"/>
+            <a:off x="871003" y="2590800"/>
             <a:ext cx="1624547" cy="276999"/>
           </a:xfrm>
           <a:prstGeom prst="rect">
@@ -5162,13 +5162,13 @@
           </a:prstGeom>
         </p:spPr>
         <p:style>
-          <a:lnRef idx="3">
-            <a:schemeClr val="lt1"/>
+          <a:lnRef idx="1">
+            <a:schemeClr val="accent2"/>
           </a:lnRef>
-          <a:fillRef idx="1">
+          <a:fillRef idx="3">
             <a:schemeClr val="accent2"/>
           </a:fillRef>
-          <a:effectRef idx="1">
+          <a:effectRef idx="2">
             <a:schemeClr val="accent2"/>
           </a:effectRef>
           <a:fontRef idx="minor">
@@ -5264,7 +5264,7 @@
         </p:nvSpPr>
         <p:spPr>
           <a:xfrm>
-            <a:off x="4219575" y="1524000"/>
+            <a:off x="4240588" y="1393195"/>
             <a:ext cx="750526" cy="261610"/>
           </a:xfrm>
           <a:prstGeom prst="rect">
@@ -5272,13 +5272,13 @@
           </a:prstGeom>
         </p:spPr>
         <p:style>
-          <a:lnRef idx="3">
-            <a:schemeClr val="lt1"/>
+          <a:lnRef idx="1">
+            <a:schemeClr val="accent2"/>
           </a:lnRef>
-          <a:fillRef idx="1">
+          <a:fillRef idx="3">
             <a:schemeClr val="accent2"/>
           </a:fillRef>
-          <a:effectRef idx="1">
+          <a:effectRef idx="2">
             <a:schemeClr val="accent2"/>
           </a:effectRef>
           <a:fontRef idx="minor">
@@ -5475,13 +5475,13 @@
         </p:nvSpPr>
         <p:spPr>
           <a:xfrm>
-            <a:off x="5334000" y="838200"/>
-            <a:ext cx="3733800" cy="880232"/>
+            <a:off x="5610225" y="3950909"/>
+            <a:ext cx="3381375" cy="880232"/>
           </a:xfrm>
           <a:prstGeom prst="wedgeRectCallout">
             <a:avLst>
-              <a:gd name="adj1" fmla="val -52219"/>
-              <a:gd name="adj2" fmla="val 118769"/>
+              <a:gd name="adj1" fmla="val -60383"/>
+              <a:gd name="adj2" fmla="val -83584"/>
             </a:avLst>
           </a:prstGeom>
           <a:ln w="3175"/>
@@ -5514,8 +5514,13 @@
             </a:r>
             <a:r>
               <a:rPr lang="en-US" sz="1100" dirty="0" smtClean="0"/>
-              <a:t>reate employee object</a:t>
-            </a:r>
+              <a:t>reate </a:t>
+            </a:r>
+            <a:r>
+              <a:rPr lang="en-US" sz="1100" dirty="0" smtClean="0"/>
+              <a:t>the employee object.</a:t>
+            </a:r>
+            <a:endParaRPr lang="en-US" sz="1100" dirty="0" smtClean="0"/>
           </a:p>
           <a:p>
             <a:pPr marL="171450" indent="-171450">
@@ -5524,8 +5529,13 @@
             </a:pPr>
             <a:r>
               <a:rPr lang="en-US" sz="1100" dirty="0" smtClean="0"/>
-              <a:t>Configure the  employee object</a:t>
-            </a:r>
+              <a:t>Configure the  employee </a:t>
+            </a:r>
+            <a:r>
+              <a:rPr lang="en-US" sz="1100" dirty="0" smtClean="0"/>
+              <a:t>object.</a:t>
+            </a:r>
+            <a:endParaRPr lang="en-US" sz="1100" dirty="0" smtClean="0"/>
           </a:p>
           <a:p>
             <a:pPr marL="171450" indent="-171450">
@@ -5547,6 +5557,166 @@
           </a:p>
         </p:txBody>
       </p:sp>
+      <p:pic>
+        <p:nvPicPr>
+          <p:cNvPr id="1026" name="Picture 2"/>
+          <p:cNvPicPr>
+            <a:picLocks noChangeAspect="1" noChangeArrowheads="1"/>
+          </p:cNvPicPr>
+          <p:nvPr/>
+        </p:nvPicPr>
+        <p:blipFill>
+          <a:blip r:embed="rId3">
+            <a:extLst>
+              <a:ext uri="{28A0092B-C50C-407E-A947-70E740481C1C}">
+                <a14:useLocalDpi xmlns:a14="http://schemas.microsoft.com/office/drawing/2010/main" val="0"/>
+              </a:ext>
+            </a:extLst>
+          </a:blip>
+          <a:srcRect/>
+          <a:stretch>
+            <a:fillRect/>
+          </a:stretch>
+        </p:blipFill>
+        <p:spPr bwMode="auto">
+          <a:xfrm>
+            <a:off x="165713" y="3886200"/>
+            <a:ext cx="4410075" cy="504825"/>
+          </a:xfrm>
+          <a:prstGeom prst="rect">
+            <a:avLst/>
+          </a:prstGeom>
+          <a:ln/>
+        </p:spPr>
+        <p:style>
+          <a:lnRef idx="1">
+            <a:schemeClr val="accent5"/>
+          </a:lnRef>
+          <a:fillRef idx="2">
+            <a:schemeClr val="accent5"/>
+          </a:fillRef>
+          <a:effectRef idx="1">
+            <a:schemeClr val="accent5"/>
+          </a:effectRef>
+          <a:fontRef idx="minor">
+            <a:schemeClr val="dk1"/>
+          </a:fontRef>
+        </p:style>
+      </p:pic>
+      <p:cxnSp>
+        <p:nvCxnSpPr>
+          <p:cNvPr id="9" name="Straight Arrow Connector 8"/>
+          <p:cNvCxnSpPr>
+            <a:stCxn id="6" idx="2"/>
+          </p:cNvCxnSpPr>
+          <p:nvPr/>
+        </p:nvCxnSpPr>
+        <p:spPr>
+          <a:xfrm flipH="1">
+            <a:off x="1683276" y="2867799"/>
+            <a:ext cx="1" cy="994291"/>
+          </a:xfrm>
+          <a:prstGeom prst="straightConnector1">
+            <a:avLst/>
+          </a:prstGeom>
+          <a:ln>
+            <a:tailEnd type="arrow"/>
+          </a:ln>
+        </p:spPr>
+        <p:style>
+          <a:lnRef idx="1">
+            <a:schemeClr val="accent1"/>
+          </a:lnRef>
+          <a:fillRef idx="0">
+            <a:schemeClr val="accent1"/>
+          </a:fillRef>
+          <a:effectRef idx="0">
+            <a:schemeClr val="accent1"/>
+          </a:effectRef>
+          <a:fontRef idx="minor">
+            <a:schemeClr val="tx1"/>
+          </a:fontRef>
+        </p:style>
+      </p:cxnSp>
+      <p:pic>
+        <p:nvPicPr>
+          <p:cNvPr id="18" name="Picture 17"/>
+          <p:cNvPicPr>
+            <a:picLocks noChangeAspect="1" noChangeArrowheads="1"/>
+          </p:cNvPicPr>
+          <p:nvPr/>
+        </p:nvPicPr>
+        <p:blipFill>
+          <a:blip r:embed="rId4">
+            <a:extLst>
+              <a:ext uri="{28A0092B-C50C-407E-A947-70E740481C1C}">
+                <a14:useLocalDpi xmlns:a14="http://schemas.microsoft.com/office/drawing/2010/main" val="0"/>
+              </a:ext>
+            </a:extLst>
+          </a:blip>
+          <a:srcRect/>
+          <a:stretch>
+            <a:fillRect/>
+          </a:stretch>
+        </p:blipFill>
+        <p:spPr bwMode="auto">
+          <a:xfrm>
+            <a:off x="5943600" y="760383"/>
+            <a:ext cx="2667000" cy="2897217"/>
+          </a:xfrm>
+          <a:prstGeom prst="rect">
+            <a:avLst/>
+          </a:prstGeom>
+          <a:ln/>
+        </p:spPr>
+        <p:style>
+          <a:lnRef idx="1">
+            <a:schemeClr val="accent4"/>
+          </a:lnRef>
+          <a:fillRef idx="2">
+            <a:schemeClr val="accent4"/>
+          </a:fillRef>
+          <a:effectRef idx="1">
+            <a:schemeClr val="accent4"/>
+          </a:effectRef>
+          <a:fontRef idx="minor">
+            <a:schemeClr val="dk1"/>
+          </a:fontRef>
+        </p:style>
+      </p:pic>
+      <p:cxnSp>
+        <p:nvCxnSpPr>
+          <p:cNvPr id="20" name="Straight Arrow Connector 19"/>
+          <p:cNvCxnSpPr/>
+          <p:nvPr/>
+        </p:nvCxnSpPr>
+        <p:spPr>
+          <a:xfrm>
+            <a:off x="5029200" y="1567661"/>
+            <a:ext cx="933450" cy="0"/>
+          </a:xfrm>
+          <a:prstGeom prst="straightConnector1">
+            <a:avLst/>
+          </a:prstGeom>
+          <a:ln>
+            <a:tailEnd type="arrow"/>
+          </a:ln>
+        </p:spPr>
+        <p:style>
+          <a:lnRef idx="1">
+            <a:schemeClr val="accent1"/>
+          </a:lnRef>
+          <a:fillRef idx="0">
+            <a:schemeClr val="accent1"/>
+          </a:fillRef>
+          <a:effectRef idx="0">
+            <a:schemeClr val="accent1"/>
+          </a:effectRef>
+          <a:fontRef idx="minor">
+            <a:schemeClr val="tx1"/>
+          </a:fontRef>
+        </p:style>
+      </p:cxnSp>
     </p:spTree>
     <p:extLst>
       <p:ext uri="{BB962C8B-B14F-4D97-AF65-F5344CB8AC3E}">

--- a/Later/Spring/4_Dependency_Injection/4/Dependency Injection by Constructor_Injecting primitive.pptx
+++ b/Later/Spring/4_Dependency_Injection/4/Dependency Injection by Constructor_Injecting primitive.pptx
@@ -196,7 +196,7 @@
           <a:p>
             <a:fld id="{62274EC6-3890-417B-9308-14EFBD00FA63}" type="datetimeFigureOut">
               <a:rPr lang="en-US" smtClean="0"/>
-              <a:t>12/27/2017</a:t>
+              <a:t>12/28/2017</a:t>
             </a:fld>
             <a:endParaRPr lang="en-US" dirty="0"/>
           </a:p>
@@ -1091,7 +1091,7 @@
             <a:fld id="{1D8BD707-D9CF-40AE-B4C6-C98DA3205C09}" type="datetimeFigureOut">
               <a:rPr lang="en-US" smtClean="0"/>
               <a:pPr/>
-              <a:t>12/27/2017</a:t>
+              <a:t>12/28/2017</a:t>
             </a:fld>
             <a:endParaRPr lang="en-US" dirty="0"/>
           </a:p>
@@ -1263,7 +1263,7 @@
             <a:fld id="{1D8BD707-D9CF-40AE-B4C6-C98DA3205C09}" type="datetimeFigureOut">
               <a:rPr lang="en-US" smtClean="0"/>
               <a:pPr/>
-              <a:t>12/27/2017</a:t>
+              <a:t>12/28/2017</a:t>
             </a:fld>
             <a:endParaRPr lang="en-US" dirty="0"/>
           </a:p>
@@ -1445,7 +1445,7 @@
             <a:fld id="{1D8BD707-D9CF-40AE-B4C6-C98DA3205C09}" type="datetimeFigureOut">
               <a:rPr lang="en-US" smtClean="0"/>
               <a:pPr/>
-              <a:t>12/27/2017</a:t>
+              <a:t>12/28/2017</a:t>
             </a:fld>
             <a:endParaRPr lang="en-US" dirty="0"/>
           </a:p>
@@ -1617,7 +1617,7 @@
             <a:fld id="{1D8BD707-D9CF-40AE-B4C6-C98DA3205C09}" type="datetimeFigureOut">
               <a:rPr lang="en-US" smtClean="0"/>
               <a:pPr/>
-              <a:t>12/27/2017</a:t>
+              <a:t>12/28/2017</a:t>
             </a:fld>
             <a:endParaRPr lang="en-US" dirty="0"/>
           </a:p>
@@ -1865,7 +1865,7 @@
             <a:fld id="{1D8BD707-D9CF-40AE-B4C6-C98DA3205C09}" type="datetimeFigureOut">
               <a:rPr lang="en-US" smtClean="0"/>
               <a:pPr/>
-              <a:t>12/27/2017</a:t>
+              <a:t>12/28/2017</a:t>
             </a:fld>
             <a:endParaRPr lang="en-US" dirty="0"/>
           </a:p>
@@ -2155,7 +2155,7 @@
             <a:fld id="{1D8BD707-D9CF-40AE-B4C6-C98DA3205C09}" type="datetimeFigureOut">
               <a:rPr lang="en-US" smtClean="0"/>
               <a:pPr/>
-              <a:t>12/27/2017</a:t>
+              <a:t>12/28/2017</a:t>
             </a:fld>
             <a:endParaRPr lang="en-US" dirty="0"/>
           </a:p>
@@ -2584,7 +2584,7 @@
             <a:fld id="{1D8BD707-D9CF-40AE-B4C6-C98DA3205C09}" type="datetimeFigureOut">
               <a:rPr lang="en-US" smtClean="0"/>
               <a:pPr/>
-              <a:t>12/27/2017</a:t>
+              <a:t>12/28/2017</a:t>
             </a:fld>
             <a:endParaRPr lang="en-US" dirty="0"/>
           </a:p>
@@ -2704,7 +2704,7 @@
             <a:fld id="{1D8BD707-D9CF-40AE-B4C6-C98DA3205C09}" type="datetimeFigureOut">
               <a:rPr lang="en-US" smtClean="0"/>
               <a:pPr/>
-              <a:t>12/27/2017</a:t>
+              <a:t>12/28/2017</a:t>
             </a:fld>
             <a:endParaRPr lang="en-US" dirty="0"/>
           </a:p>
@@ -2801,7 +2801,7 @@
             <a:fld id="{1D8BD707-D9CF-40AE-B4C6-C98DA3205C09}" type="datetimeFigureOut">
               <a:rPr lang="en-US" smtClean="0"/>
               <a:pPr/>
-              <a:t>12/27/2017</a:t>
+              <a:t>12/28/2017</a:t>
             </a:fld>
             <a:endParaRPr lang="en-US" dirty="0"/>
           </a:p>
@@ -3080,7 +3080,7 @@
             <a:fld id="{1D8BD707-D9CF-40AE-B4C6-C98DA3205C09}" type="datetimeFigureOut">
               <a:rPr lang="en-US" smtClean="0"/>
               <a:pPr/>
-              <a:t>12/27/2017</a:t>
+              <a:t>12/28/2017</a:t>
             </a:fld>
             <a:endParaRPr lang="en-US" dirty="0"/>
           </a:p>
@@ -3335,7 +3335,7 @@
             <a:fld id="{1D8BD707-D9CF-40AE-B4C6-C98DA3205C09}" type="datetimeFigureOut">
               <a:rPr lang="en-US" smtClean="0"/>
               <a:pPr/>
-              <a:t>12/27/2017</a:t>
+              <a:t>12/28/2017</a:t>
             </a:fld>
             <a:endParaRPr lang="en-US" dirty="0"/>
           </a:p>
@@ -3550,7 +3550,7 @@
             <a:fld id="{1D8BD707-D9CF-40AE-B4C6-C98DA3205C09}" type="datetimeFigureOut">
               <a:rPr lang="en-US" smtClean="0"/>
               <a:pPr/>
-              <a:t>12/27/2017</a:t>
+              <a:t>12/28/2017</a:t>
             </a:fld>
             <a:endParaRPr lang="en-US" dirty="0"/>
           </a:p>
@@ -4852,14 +4852,30 @@
             </a:r>
             <a:r>
               <a:rPr lang="en-US" sz="1200" dirty="0"/>
-              <a:t>constructor-arg element invokes the constructor. In such case, parameterized constructor of int type will be invoked. The value attribute of constructor-arg element will assign the specified value. The type attribute specifies that int parameter constructor will be invoked. In this example Employee(</a:t>
-            </a:r>
-            <a:r>
-              <a:rPr lang="en-US" sz="1200" b="1" dirty="0"/>
+              <a:t>constructor-arg element invokes the constructor. In such case, parameterized constructor of int type will be invoked. The value attribute of constructor-arg element will assign the specified value. The type attribute specifies that int parameter constructor will be invoked. In this example </a:t>
+            </a:r>
+            <a:r>
+              <a:rPr lang="en-US" sz="1200" dirty="0">
+                <a:solidFill>
+                  <a:srgbClr val="C00000"/>
+                </a:solidFill>
+              </a:rPr>
+              <a:t>Employee(</a:t>
+            </a:r>
+            <a:r>
+              <a:rPr lang="en-US" sz="1200" b="1" dirty="0">
+                <a:solidFill>
+                  <a:srgbClr val="C00000"/>
+                </a:solidFill>
+              </a:rPr>
               <a:t>int </a:t>
             </a:r>
             <a:r>
-              <a:rPr lang="en-US" sz="1200" b="1" dirty="0" smtClean="0"/>
+              <a:rPr lang="en-US" sz="1200" b="1" dirty="0" smtClean="0">
+                <a:solidFill>
+                  <a:srgbClr val="C00000"/>
+                </a:solidFill>
+              </a:rPr>
               <a:t>id) </a:t>
             </a:r>
             <a:r>
@@ -5438,9 +5454,9 @@
           <a:bodyPr rtlCol="0" anchor="ctr"/>
           <a:lstStyle/>
           <a:p>
-            <a:pPr marL="171450" indent="-171450">
-              <a:buFont typeface="Wingdings" pitchFamily="2" charset="2"/>
-              <a:buChar char="v"/>
+            <a:pPr marL="228600" indent="-228600">
+              <a:buFont typeface="+mj-lt"/>
+              <a:buAutoNum type="arabicPeriod"/>
             </a:pPr>
             <a:r>
               <a:rPr lang="en-US" sz="1100" dirty="0" smtClean="0"/>
@@ -5456,9 +5472,9 @@
             </a:r>
           </a:p>
           <a:p>
-            <a:pPr marL="171450" indent="-171450">
-              <a:buFont typeface="Wingdings" pitchFamily="2" charset="2"/>
-              <a:buChar char="v"/>
+            <a:pPr marL="228600" indent="-228600">
+              <a:buFont typeface="+mj-lt"/>
+              <a:buAutoNum type="arabicPeriod"/>
             </a:pPr>
             <a:r>
               <a:rPr lang="en-US" sz="1100" dirty="0" smtClean="0"/>
@@ -5504,9 +5520,9 @@
           <a:bodyPr rtlCol="0" anchor="ctr"/>
           <a:lstStyle/>
           <a:p>
-            <a:pPr marL="171450" indent="-171450">
-              <a:buFont typeface="Wingdings" pitchFamily="2" charset="2"/>
-              <a:buChar char="v"/>
+            <a:pPr marL="228600" indent="-228600">
+              <a:buFont typeface="+mj-lt"/>
+              <a:buAutoNum type="arabicPeriod"/>
             </a:pPr>
             <a:r>
               <a:rPr lang="en-US" sz="1100" dirty="0"/>
@@ -5514,33 +5530,23 @@
             </a:r>
             <a:r>
               <a:rPr lang="en-US" sz="1100" dirty="0" smtClean="0"/>
-              <a:t>reate </a:t>
-            </a:r>
+              <a:t>reate the employee object.</a:t>
+            </a:r>
+          </a:p>
+          <a:p>
+            <a:pPr marL="228600" indent="-228600">
+              <a:buFont typeface="+mj-lt"/>
+              <a:buAutoNum type="arabicPeriod"/>
+            </a:pPr>
             <a:r>
               <a:rPr lang="en-US" sz="1100" dirty="0" smtClean="0"/>
-              <a:t>the employee object.</a:t>
-            </a:r>
-            <a:endParaRPr lang="en-US" sz="1100" dirty="0" smtClean="0"/>
-          </a:p>
-          <a:p>
-            <a:pPr marL="171450" indent="-171450">
-              <a:buFont typeface="Wingdings" pitchFamily="2" charset="2"/>
-              <a:buChar char="v"/>
-            </a:pPr>
-            <a:r>
-              <a:rPr lang="en-US" sz="1100" dirty="0" smtClean="0"/>
-              <a:t>Configure the  employee </a:t>
-            </a:r>
-            <a:r>
-              <a:rPr lang="en-US" sz="1100" dirty="0" smtClean="0"/>
-              <a:t>object.</a:t>
-            </a:r>
-            <a:endParaRPr lang="en-US" sz="1100" dirty="0" smtClean="0"/>
-          </a:p>
-          <a:p>
-            <a:pPr marL="171450" indent="-171450">
-              <a:buFont typeface="Wingdings" pitchFamily="2" charset="2"/>
-              <a:buChar char="v"/>
+              <a:t>Configure the  employee object.</a:t>
+            </a:r>
+          </a:p>
+          <a:p>
+            <a:pPr marL="228600" indent="-228600">
+              <a:buFont typeface="+mj-lt"/>
+              <a:buAutoNum type="arabicPeriod"/>
             </a:pPr>
             <a:r>
               <a:rPr lang="en-US" sz="1100" dirty="0"/>
